--- a/Dashboard/Branch background.pptx
+++ b/Dashboard/Branch background.pptx
@@ -197,7 +197,7 @@
           <a:p>
             <a:fld id="{3CF591F3-3830-45F1-83A4-BCC5E0FCDD99}" type="datetimeFigureOut">
               <a:rPr lang="pt-BR" smtClean="0"/>
-              <a:t>12/03/2021</a:t>
+              <a:t>05/04/2021</a:t>
             </a:fld>
             <a:endParaRPr lang="pt-BR"/>
           </a:p>
@@ -839,7 +839,7 @@
           <a:p>
             <a:fld id="{627ED9C8-F09A-4D9E-BEC0-4725162E21FF}" type="datetimeFigureOut">
               <a:rPr lang="en-US" smtClean="0"/>
-              <a:t>3/12/2021</a:t>
+              <a:t>4/5/2021</a:t>
             </a:fld>
             <a:endParaRPr lang="en-US"/>
           </a:p>
@@ -1007,7 +1007,7 @@
           <a:p>
             <a:fld id="{627ED9C8-F09A-4D9E-BEC0-4725162E21FF}" type="datetimeFigureOut">
               <a:rPr lang="en-US" smtClean="0"/>
-              <a:t>3/12/2021</a:t>
+              <a:t>4/5/2021</a:t>
             </a:fld>
             <a:endParaRPr lang="en-US"/>
           </a:p>
@@ -1185,7 +1185,7 @@
           <a:p>
             <a:fld id="{627ED9C8-F09A-4D9E-BEC0-4725162E21FF}" type="datetimeFigureOut">
               <a:rPr lang="en-US" smtClean="0"/>
-              <a:t>3/12/2021</a:t>
+              <a:t>4/5/2021</a:t>
             </a:fld>
             <a:endParaRPr lang="en-US"/>
           </a:p>
@@ -1353,7 +1353,7 @@
           <a:p>
             <a:fld id="{627ED9C8-F09A-4D9E-BEC0-4725162E21FF}" type="datetimeFigureOut">
               <a:rPr lang="en-US" smtClean="0"/>
-              <a:t>3/12/2021</a:t>
+              <a:t>4/5/2021</a:t>
             </a:fld>
             <a:endParaRPr lang="en-US"/>
           </a:p>
@@ -1598,7 +1598,7 @@
           <a:p>
             <a:fld id="{627ED9C8-F09A-4D9E-BEC0-4725162E21FF}" type="datetimeFigureOut">
               <a:rPr lang="en-US" smtClean="0"/>
-              <a:t>3/12/2021</a:t>
+              <a:t>4/5/2021</a:t>
             </a:fld>
             <a:endParaRPr lang="en-US"/>
           </a:p>
@@ -1827,7 +1827,7 @@
           <a:p>
             <a:fld id="{627ED9C8-F09A-4D9E-BEC0-4725162E21FF}" type="datetimeFigureOut">
               <a:rPr lang="en-US" smtClean="0"/>
-              <a:t>3/12/2021</a:t>
+              <a:t>4/5/2021</a:t>
             </a:fld>
             <a:endParaRPr lang="en-US"/>
           </a:p>
@@ -2191,7 +2191,7 @@
           <a:p>
             <a:fld id="{627ED9C8-F09A-4D9E-BEC0-4725162E21FF}" type="datetimeFigureOut">
               <a:rPr lang="en-US" smtClean="0"/>
-              <a:t>3/12/2021</a:t>
+              <a:t>4/5/2021</a:t>
             </a:fld>
             <a:endParaRPr lang="en-US"/>
           </a:p>
@@ -2308,7 +2308,7 @@
           <a:p>
             <a:fld id="{627ED9C8-F09A-4D9E-BEC0-4725162E21FF}" type="datetimeFigureOut">
               <a:rPr lang="en-US" smtClean="0"/>
-              <a:t>3/12/2021</a:t>
+              <a:t>4/5/2021</a:t>
             </a:fld>
             <a:endParaRPr lang="en-US"/>
           </a:p>
@@ -2403,7 +2403,7 @@
           <a:p>
             <a:fld id="{627ED9C8-F09A-4D9E-BEC0-4725162E21FF}" type="datetimeFigureOut">
               <a:rPr lang="en-US" smtClean="0"/>
-              <a:t>3/12/2021</a:t>
+              <a:t>4/5/2021</a:t>
             </a:fld>
             <a:endParaRPr lang="en-US"/>
           </a:p>
@@ -2678,7 +2678,7 @@
           <a:p>
             <a:fld id="{627ED9C8-F09A-4D9E-BEC0-4725162E21FF}" type="datetimeFigureOut">
               <a:rPr lang="en-US" smtClean="0"/>
-              <a:t>3/12/2021</a:t>
+              <a:t>4/5/2021</a:t>
             </a:fld>
             <a:endParaRPr lang="en-US"/>
           </a:p>
@@ -2930,7 +2930,7 @@
           <a:p>
             <a:fld id="{627ED9C8-F09A-4D9E-BEC0-4725162E21FF}" type="datetimeFigureOut">
               <a:rPr lang="en-US" smtClean="0"/>
-              <a:t>3/12/2021</a:t>
+              <a:t>4/5/2021</a:t>
             </a:fld>
             <a:endParaRPr lang="en-US"/>
           </a:p>
@@ -3141,7 +3141,7 @@
           <a:p>
             <a:fld id="{627ED9C8-F09A-4D9E-BEC0-4725162E21FF}" type="datetimeFigureOut">
               <a:rPr lang="en-US" smtClean="0"/>
-              <a:t>3/12/2021</a:t>
+              <a:t>4/5/2021</a:t>
             </a:fld>
             <a:endParaRPr lang="en-US"/>
           </a:p>
@@ -3575,7 +3575,7 @@
         </p:nvSpPr>
         <p:spPr>
           <a:xfrm>
-            <a:off x="2776452" y="116378"/>
+            <a:off x="811871" y="116378"/>
             <a:ext cx="2244435" cy="665018"/>
           </a:xfrm>
           <a:prstGeom prst="roundRect">
@@ -3637,7 +3637,7 @@
         </p:nvSpPr>
         <p:spPr>
           <a:xfrm>
-            <a:off x="5112328" y="116378"/>
+            <a:off x="3165760" y="116378"/>
             <a:ext cx="2244435" cy="665018"/>
           </a:xfrm>
           <a:prstGeom prst="roundRect">
@@ -3699,7 +3699,7 @@
         </p:nvSpPr>
         <p:spPr>
           <a:xfrm>
-            <a:off x="7448204" y="116378"/>
+            <a:off x="5519649" y="116378"/>
             <a:ext cx="2538151" cy="665018"/>
           </a:xfrm>
           <a:prstGeom prst="roundRect">
@@ -3761,7 +3761,7 @@
         </p:nvSpPr>
         <p:spPr>
           <a:xfrm>
-            <a:off x="10077796" y="124691"/>
+            <a:off x="8167254" y="116378"/>
             <a:ext cx="1875904" cy="665018"/>
           </a:xfrm>
           <a:prstGeom prst="roundRect">
@@ -3824,7 +3824,7 @@
         <p:spPr>
           <a:xfrm>
             <a:off x="590204" y="2826326"/>
-            <a:ext cx="11438312" cy="1961806"/>
+            <a:ext cx="11438312" cy="2049089"/>
           </a:xfrm>
           <a:prstGeom prst="roundRect">
             <a:avLst/>
@@ -3898,8 +3898,8 @@
         </p:nvSpPr>
         <p:spPr>
           <a:xfrm>
-            <a:off x="590204" y="4875415"/>
-            <a:ext cx="11438312" cy="1895300"/>
+            <a:off x="590204" y="4875414"/>
+            <a:ext cx="11438312" cy="1982585"/>
           </a:xfrm>
           <a:prstGeom prst="roundRect">
             <a:avLst/>
@@ -3974,7 +3974,7 @@
         <p:spPr>
           <a:xfrm>
             <a:off x="590204" y="856210"/>
-            <a:ext cx="11438312" cy="1895301"/>
+            <a:ext cx="11438312" cy="1961803"/>
           </a:xfrm>
           <a:prstGeom prst="roundRect">
             <a:avLst/>
@@ -4066,6 +4066,68 @@
               </a:schemeClr>
             </a:solidFill>
           </a:ln>
+        </p:spPr>
+        <p:style>
+          <a:lnRef idx="2">
+            <a:schemeClr val="accent1">
+              <a:shade val="50000"/>
+            </a:schemeClr>
+          </a:lnRef>
+          <a:fillRef idx="1">
+            <a:schemeClr val="accent1"/>
+          </a:fillRef>
+          <a:effectRef idx="0">
+            <a:schemeClr val="accent1"/>
+          </a:effectRef>
+          <a:fontRef idx="minor">
+            <a:schemeClr val="lt1"/>
+          </a:fontRef>
+        </p:style>
+        <p:txBody>
+          <a:bodyPr rtlCol="0" anchor="ctr"/>
+          <a:lstStyle/>
+          <a:p>
+            <a:pPr algn="ctr"/>
+            <a:endParaRPr lang="pt-BR"/>
+          </a:p>
+        </p:txBody>
+      </p:sp>
+      <p:sp>
+        <p:nvSpPr>
+          <p:cNvPr id="13" name="Retângulo Arredondado 12"/>
+          <p:cNvSpPr/>
+          <p:nvPr/>
+        </p:nvSpPr>
+        <p:spPr>
+          <a:xfrm>
+            <a:off x="10152612" y="116378"/>
+            <a:ext cx="1875904" cy="665018"/>
+          </a:xfrm>
+          <a:prstGeom prst="roundRect">
+            <a:avLst/>
+          </a:prstGeom>
+          <a:blipFill>
+            <a:blip r:embed="rId6"/>
+            <a:stretch>
+              <a:fillRect/>
+            </a:stretch>
+          </a:blipFill>
+          <a:ln w="12700">
+            <a:solidFill>
+              <a:schemeClr val="tx1">
+                <a:lumMod val="50000"/>
+                <a:lumOff val="50000"/>
+              </a:schemeClr>
+            </a:solidFill>
+          </a:ln>
+          <a:effectLst/>
+          <a:scene3d>
+            <a:camera prst="orthographicFront">
+              <a:rot lat="0" lon="299975" rev="0"/>
+            </a:camera>
+            <a:lightRig rig="threePt" dir="t"/>
+          </a:scene3d>
+          <a:sp3d prstMaterial="matte"/>
         </p:spPr>
         <p:style>
           <a:lnRef idx="2">
